--- a/Ch07_Pipelines.pptx
+++ b/Ch07_Pipelines.pptx
@@ -8089,7 +8089,7 @@
               <a:rPr lang="en-US" sz="3600" dirty="0">
                 <a:effectLst/>
               </a:rPr>
-              <a:t>Chapter 6: </a:t>
+              <a:t>Chapter 7: </a:t>
             </a:r>
             <a:br>
               <a:rPr lang="en-US" sz="3600" dirty="0">
@@ -8100,7 +8100,7 @@
               <a:rPr lang="en-US" sz="3600" dirty="0">
                 <a:effectLst/>
               </a:rPr>
-              <a:t>Classification Models</a:t>
+              <a:t>Pipelines</a:t>
             </a:r>
           </a:p>
         </p:txBody>
@@ -11500,41 +11500,7 @@
           <a:p>
             <a:r>
               <a:rPr lang="en-US" dirty="0"/>
-              <a:t>Understand the use cases for Classification models</a:t>
-            </a:r>
-          </a:p>
-          <a:p>
-            <a:r>
-              <a:rPr lang="en-US" dirty="0"/>
-              <a:t>Discuss and compare various algorithms</a:t>
-            </a:r>
-          </a:p>
-          <a:p>
-            <a:pPr lvl="1"/>
-            <a:r>
-              <a:rPr lang="en-US" dirty="0"/>
-              <a:t>Naive Bayes</a:t>
-            </a:r>
-          </a:p>
-          <a:p>
-            <a:pPr lvl="1"/>
-            <a:r>
-              <a:rPr lang="en-US" dirty="0"/>
-              <a:t>Decision Tree</a:t>
-            </a:r>
-          </a:p>
-          <a:p>
-            <a:pPr lvl="1"/>
-            <a:r>
-              <a:rPr lang="en-US" dirty="0"/>
-              <a:t>Logistic Regression</a:t>
-            </a:r>
-          </a:p>
-          <a:p>
-            <a:pPr lvl="1"/>
-            <a:r>
-              <a:rPr lang="en-US" dirty="0"/>
-              <a:t>Neural Network</a:t>
+              <a:t>Explore how to use pipelines to improve performance and chain together multiple steps in the ML process</a:t>
             </a:r>
           </a:p>
           <a:p>
@@ -15242,14 +15208,14 @@
           <p:nvPr>
             <p:extLst>
               <p:ext uri="{D42A27DB-BD31-4B8C-83A1-F6EECF244321}">
-                <p14:modId xmlns:p14="http://schemas.microsoft.com/office/powerpoint/2010/main" val="996577973"/>
+                <p14:modId xmlns:p14="http://schemas.microsoft.com/office/powerpoint/2010/main" val="1536262378"/>
               </p:ext>
             </p:extLst>
           </p:nvPr>
         </p:nvGraphicFramePr>
         <p:xfrm>
           <a:off x="2880360" y="1447543"/>
-          <a:ext cx="3383280" cy="1645920"/>
+          <a:ext cx="3383280" cy="1097280"/>
         </p:xfrm>
         <a:graphic>
           <a:graphicData uri="http://schemas.openxmlformats.org/drawingml/2006/table">
@@ -15286,7 +15252,7 @@
                             <a:schemeClr val="tx1"/>
                           </a:solidFill>
                         </a:rPr>
-                        <a:t>Classification Model</a:t>
+                        <a:t>Pipelines</a:t>
                       </a:r>
                     </a:p>
                   </a:txBody>
@@ -15308,64 +15274,6 @@
                 <a:extLst>
                   <a:ext uri="{0D108BD9-81ED-4DB2-BD59-A6C34878D82A}">
                     <a16:rowId xmlns:a16="http://schemas.microsoft.com/office/drawing/2014/main" val="2307098774"/>
-                  </a:ext>
-                </a:extLst>
-              </a:tr>
-              <a:tr h="548640">
-                <a:tc>
-                  <a:txBody>
-                    <a:bodyPr/>
-                    <a:lstStyle/>
-                    <a:p>
-                      <a:pPr>
-                        <a:lnSpc>
-                          <a:spcPct val="100000"/>
-                        </a:lnSpc>
-                        <a:spcAft>
-                          <a:spcPts val="0"/>
-                        </a:spcAft>
-                      </a:pPr>
-                      <a:r>
-                        <a:rPr lang="en-US" sz="2000" dirty="0">
-                          <a:solidFill>
-                            <a:schemeClr val="bg1">
-                              <a:lumMod val="65000"/>
-                            </a:schemeClr>
-                          </a:solidFill>
-                        </a:rPr>
-                        <a:t>Algorithms</a:t>
-                      </a:r>
-                    </a:p>
-                  </a:txBody>
-                  <a:tcPr anchor="ctr">
-                    <a:lnT w="12700" cap="flat" cmpd="sng" algn="ctr">
-                      <a:solidFill>
-                        <a:schemeClr val="bg1">
-                          <a:lumMod val="65000"/>
-                        </a:schemeClr>
-                      </a:solidFill>
-                      <a:prstDash val="solid"/>
-                      <a:round/>
-                      <a:headEnd type="none" w="med" len="med"/>
-                      <a:tailEnd type="none" w="med" len="med"/>
-                    </a:lnT>
-                    <a:lnB w="12700" cap="flat" cmpd="sng" algn="ctr">
-                      <a:solidFill>
-                        <a:schemeClr val="bg1">
-                          <a:lumMod val="65000"/>
-                        </a:schemeClr>
-                      </a:solidFill>
-                      <a:prstDash val="solid"/>
-                      <a:round/>
-                      <a:headEnd type="none" w="med" len="med"/>
-                      <a:tailEnd type="none" w="med" len="med"/>
-                    </a:lnB>
-                    <a:noFill/>
-                  </a:tcPr>
-                </a:tc>
-                <a:extLst>
-                  <a:ext uri="{0D108BD9-81ED-4DB2-BD59-A6C34878D82A}">
-                    <a16:rowId xmlns:a16="http://schemas.microsoft.com/office/drawing/2014/main" val="1466711860"/>
                   </a:ext>
                 </a:extLst>
               </a:tr>
@@ -15478,63 +15386,45 @@
           <a:p>
             <a:r>
               <a:rPr lang="en-US" sz="1700" dirty="0"/>
-              <a:t>There are many business use cases for wanting to predict whether a record will fall into one category or another</a:t>
-            </a:r>
-          </a:p>
-          <a:p>
-            <a:pPr lvl="1"/>
+              <a:t>Most transformation occur on one column at a time in a </a:t>
+            </a:r>
+            <a:r>
+              <a:rPr lang="en-US" sz="1700" dirty="0" err="1"/>
+              <a:t>DataFrame</a:t>
+            </a:r>
+            <a:endParaRPr lang="en-US" sz="1700" dirty="0"/>
+          </a:p>
+          <a:p>
             <a:r>
               <a:rPr lang="en-US" sz="1700" dirty="0"/>
-              <a:t>Is a credit card swipe fraudulent or not?</a:t>
-            </a:r>
-          </a:p>
-          <a:p>
-            <a:pPr lvl="1"/>
+              <a:t>Because the data are partitioned among many nodes it means that wide operations have to shuffle around a lot of data to process that one column</a:t>
+            </a:r>
+          </a:p>
+          <a:p>
             <a:r>
               <a:rPr lang="en-US" sz="1700" dirty="0"/>
-              <a:t>Does a patient have a disease?</a:t>
-            </a:r>
-          </a:p>
-          <a:p>
-            <a:pPr lvl="1"/>
+              <a:t>Then you do a transformation on another column and the whole process starts all over again</a:t>
+            </a:r>
+          </a:p>
+          <a:p>
             <a:r>
               <a:rPr lang="en-US" sz="1700" dirty="0"/>
-              <a:t>Will an applicant be a profitable customer?</a:t>
-            </a:r>
-          </a:p>
-          <a:p>
+              <a:t>If you have a lot of categorical columns to </a:t>
+            </a:r>
+            <a:r>
+              <a:rPr lang="en-US" sz="1700" dirty="0" err="1"/>
+              <a:t>OneHotEncode</a:t>
+            </a:r>
             <a:r>
               <a:rPr lang="en-US" sz="1700" dirty="0"/>
-              <a:t>Classification can make such predictions by using historical data to train the model to look for patterns</a:t>
+              <a:t>, each one is done sequentially after the other, then you do the same thing again to scale the numeric features, and again to bundle them all up into a Vector</a:t>
             </a:r>
           </a:p>
           <a:p>
             <a:r>
               <a:rPr lang="en-US" sz="1700" dirty="0"/>
-              <a:t>To see how good a job the model does, you test it with another set of data that was not used to train the model</a:t>
-            </a:r>
-          </a:p>
-          <a:p>
-            <a:pPr lvl="1"/>
-            <a:r>
-              <a:rPr lang="en-US" sz="1700" dirty="0"/>
-              <a:t>By comparing the known values to the predicted ones, you can judge how well the model performs</a:t>
-            </a:r>
-          </a:p>
-          <a:p>
-            <a:r>
-              <a:rPr lang="en-US" sz="1700" dirty="0"/>
-              <a:t>If the model guesses better than a coin flip or random guess, it may not be perfect, but it’s better than nothing and could be used to create actionable business decisions with a best guess</a:t>
-            </a:r>
-          </a:p>
-          <a:p>
-            <a:r>
-              <a:rPr lang="en-US" sz="1700" dirty="0"/>
-              <a:t>There are many different algorithms that can do classification, so it’s best to run the same data through many different models to see which works best for your data</a:t>
-            </a:r>
-          </a:p>
-          <a:p>
-            <a:endParaRPr lang="en-US" sz="1700" dirty="0"/>
+              <a:t>Pipelines allow a more elegant and efficient mechanism to chain together many transformation steps so that they can be optimized and run together in parallel instead of sequentially</a:t>
+            </a:r>
           </a:p>
         </p:txBody>
       </p:sp>
@@ -15555,7 +15445,7 @@
           <a:p>
             <a:r>
               <a:rPr lang="en-US" dirty="0"/>
-              <a:t>Classification</a:t>
+              <a:t>Problem with Existing Techniques</a:t>
             </a:r>
           </a:p>
         </p:txBody>
@@ -15612,52 +15502,75 @@
           <a:p>
             <a:r>
               <a:rPr lang="en-US" dirty="0"/>
-              <a:t>There are some consistent steps you need to do regardless of which algorithm you use, although some models have different requirements</a:t>
-            </a:r>
-          </a:p>
-          <a:p>
+              <a:t>Create a Python </a:t>
+            </a:r>
+            <a:r>
+              <a:rPr lang="en-US" dirty="0">
+                <a:latin typeface="Courier New" panose="02070309020205020404" pitchFamily="49" charset="0"/>
+                <a:cs typeface="Courier New" panose="02070309020205020404" pitchFamily="49" charset="0"/>
+              </a:rPr>
+              <a:t>list</a:t>
+            </a:r>
             <a:r>
               <a:rPr lang="en-US" dirty="0"/>
-              <a:t>Usually categorical data needs to be re-encoded as a vector that is </a:t>
-            </a:r>
-            <a:r>
-              <a:rPr lang="en-US" dirty="0" err="1"/>
-              <a:t>OneHotEncoded</a:t>
-            </a:r>
+              <a:t> of the steps you want to do in the order you want them done</a:t>
+            </a:r>
+          </a:p>
+          <a:p>
             <a:r>
               <a:rPr lang="en-US" dirty="0"/>
-              <a:t> </a:t>
+              <a:t>Create a pipeline object and pass it the list of stages</a:t>
             </a:r>
           </a:p>
           <a:p>
             <a:r>
               <a:rPr lang="en-US" dirty="0"/>
-              <a:t>All models should take the data set and split it into a training and testing set</a:t>
-            </a:r>
-          </a:p>
-          <a:p>
+              <a:t>Call </a:t>
+            </a:r>
+            <a:r>
+              <a:rPr lang="en-US" dirty="0">
+                <a:latin typeface="Courier New" panose="02070309020205020404" pitchFamily="49" charset="0"/>
+                <a:cs typeface="Courier New" panose="02070309020205020404" pitchFamily="49" charset="0"/>
+              </a:rPr>
+              <a:t>fit</a:t>
+            </a:r>
             <a:r>
               <a:rPr lang="en-US" dirty="0"/>
-              <a:t>First, you fit the model with the training set</a:t>
-            </a:r>
-          </a:p>
-          <a:p>
-            <a:pPr lvl="1"/>
+              <a:t> and </a:t>
+            </a:r>
+            <a:r>
+              <a:rPr lang="en-US" dirty="0">
+                <a:latin typeface="Courier New" panose="02070309020205020404" pitchFamily="49" charset="0"/>
+                <a:cs typeface="Courier New" panose="02070309020205020404" pitchFamily="49" charset="0"/>
+              </a:rPr>
+              <a:t>transform</a:t>
+            </a:r>
             <a:r>
               <a:rPr lang="en-US" dirty="0"/>
-              <a:t>Can take some time for large datasets</a:t>
-            </a:r>
-          </a:p>
-          <a:p>
+              <a:t> on the </a:t>
+            </a:r>
+            <a:r>
+              <a:rPr lang="en-US" dirty="0" err="1">
+                <a:latin typeface="Courier New" panose="02070309020205020404" pitchFamily="49" charset="0"/>
+                <a:cs typeface="Courier New" panose="02070309020205020404" pitchFamily="49" charset="0"/>
+              </a:rPr>
+              <a:t>pipline</a:t>
+            </a:r>
             <a:r>
               <a:rPr lang="en-US" dirty="0"/>
-              <a:t>Once the model is trained, you can see how good it is at making predictions by using a predict function and comparing those values to known values for the variable you are trying to predict</a:t>
+              <a:t> object</a:t>
             </a:r>
           </a:p>
           <a:p>
             <a:r>
               <a:rPr lang="en-US" dirty="0"/>
-              <a:t>After you’ve picked the model that does the best job, you can use it to predict values either individually or in a batch for new data as it comes in</a:t>
+              <a:t>Watch the performance improvement</a:t>
+            </a:r>
+          </a:p>
+          <a:p>
+            <a:r>
+              <a:rPr lang="en-US" dirty="0"/>
+              <a:t>As always a custom helper function makes things easier to use instead of building it from scratch each time</a:t>
             </a:r>
           </a:p>
         </p:txBody>
@@ -15679,7 +15592,7 @@
           <a:p>
             <a:r>
               <a:rPr lang="en-US" dirty="0"/>
-              <a:t>Steps to Classification</a:t>
+              <a:t>Steps to Pipeline</a:t>
             </a:r>
           </a:p>
         </p:txBody>
@@ -15716,73 +15629,6 @@
       </p:grpSpPr>
       <p:sp>
         <p:nvSpPr>
-          <p:cNvPr id="3" name="Content Placeholder 2"/>
-          <p:cNvSpPr>
-            <a:spLocks noGrp="1"/>
-          </p:cNvSpPr>
-          <p:nvPr>
-            <p:ph idx="1"/>
-          </p:nvPr>
-        </p:nvSpPr>
-        <p:spPr/>
-        <p:txBody>
-          <a:bodyPr/>
-          <a:lstStyle/>
-          <a:p>
-            <a:r>
-              <a:rPr lang="en-US" dirty="0"/>
-              <a:t>Often you are trying to predict an either/or value</a:t>
-            </a:r>
-          </a:p>
-          <a:p>
-            <a:pPr lvl="1"/>
-            <a:r>
-              <a:rPr lang="en-US" dirty="0"/>
-              <a:t>Is a card swipe fraudulent or legitimate?</a:t>
-            </a:r>
-          </a:p>
-          <a:p>
-            <a:pPr lvl="1"/>
-            <a:r>
-              <a:rPr lang="en-US" dirty="0"/>
-              <a:t>Does a patient have cancer or not?</a:t>
-            </a:r>
-          </a:p>
-          <a:p>
-            <a:r>
-              <a:rPr lang="en-US" dirty="0"/>
-              <a:t>Not limited to just two choices, you could predict whether a record falls into a category with many different values</a:t>
-            </a:r>
-          </a:p>
-          <a:p>
-            <a:pPr lvl="1"/>
-            <a:r>
-              <a:rPr lang="en-US" dirty="0"/>
-              <a:t>It just gets trickier sometimes to interpret the results</a:t>
-            </a:r>
-          </a:p>
-          <a:p>
-            <a:r>
-              <a:rPr lang="en-US" dirty="0"/>
-              <a:t>The math and techniques behind the scenes can get complicated, but you don’t really need to know any of it to use the algorithms</a:t>
-            </a:r>
-          </a:p>
-          <a:p>
-            <a:r>
-              <a:rPr lang="en-US" dirty="0"/>
-              <a:t>Just knowing how to identify that you need a classification model and how to prep the data and interpret the results is often good enough to get started</a:t>
-            </a:r>
-          </a:p>
-          <a:p>
-            <a:r>
-              <a:rPr lang="en-US" dirty="0"/>
-              <a:t>As you get more sophisticated, you can learn the math behind the scenes to tweak the results and try to get better results</a:t>
-            </a:r>
-          </a:p>
-        </p:txBody>
-      </p:sp>
-      <p:sp>
-        <p:nvSpPr>
           <p:cNvPr id="2" name="Title 1"/>
           <p:cNvSpPr>
             <a:spLocks noGrp="1"/>
@@ -15798,7 +15644,332 @@
           <a:p>
             <a:r>
               <a:rPr lang="en-US" dirty="0"/>
-              <a:t>Notes on Classification</a:t>
+              <a:t>Pipeline Example</a:t>
+            </a:r>
+          </a:p>
+        </p:txBody>
+      </p:sp>
+      <p:sp>
+        <p:nvSpPr>
+          <p:cNvPr id="4" name="TextBox 3">
+            <a:extLst>
+              <a:ext uri="{FF2B5EF4-FFF2-40B4-BE49-F238E27FC236}">
+                <a16:creationId xmlns:a16="http://schemas.microsoft.com/office/drawing/2014/main" id="{E7FB91B7-B630-7F4D-AD55-0AF768DA615B}"/>
+              </a:ext>
+            </a:extLst>
+          </p:cNvPr>
+          <p:cNvSpPr txBox="1"/>
+          <p:nvPr/>
+        </p:nvSpPr>
+        <p:spPr>
+          <a:xfrm>
+            <a:off x="235131" y="1707526"/>
+            <a:ext cx="8582298" cy="2677656"/>
+          </a:xfrm>
+          <a:prstGeom prst="rect">
+            <a:avLst/>
+          </a:prstGeom>
+          <a:noFill/>
+          <a:ln w="28575" algn="ctr">
+            <a:solidFill>
+              <a:schemeClr val="accent2">
+                <a:lumMod val="20000"/>
+                <a:lumOff val="80000"/>
+              </a:schemeClr>
+            </a:solidFill>
+            <a:miter lim="800000"/>
+            <a:headEnd/>
+            <a:tailEnd/>
+          </a:ln>
+          <a:effectLst/>
+        </p:spPr>
+        <p:txBody>
+          <a:bodyPr wrap="square">
+            <a:spAutoFit/>
+          </a:bodyPr>
+          <a:lstStyle>
+            <a:defPPr>
+              <a:defRPr lang="en-US"/>
+            </a:defPPr>
+            <a:lvl1pPr marL="0" defTabSz="914400" eaLnBrk="1" latinLnBrk="0" hangingPunct="1">
+              <a:defRPr sz="1400">
+                <a:solidFill>
+                  <a:schemeClr val="tx1"/>
+                </a:solidFill>
+                <a:latin typeface="Courier New" pitchFamily="49" charset="0"/>
+                <a:cs typeface="+mn-cs"/>
+              </a:defRPr>
+            </a:lvl1pPr>
+            <a:lvl2pPr marL="742950" indent="-285750" defTabSz="914400" latinLnBrk="0">
+              <a:defRPr sz="1400">
+                <a:solidFill>
+                  <a:schemeClr val="tx1"/>
+                </a:solidFill>
+                <a:latin typeface="Arial" charset="0"/>
+                <a:cs typeface="+mn-cs"/>
+              </a:defRPr>
+            </a:lvl2pPr>
+            <a:lvl3pPr marL="1143000" indent="-228600" defTabSz="914400" latinLnBrk="0">
+              <a:defRPr sz="1400">
+                <a:solidFill>
+                  <a:schemeClr val="tx1"/>
+                </a:solidFill>
+                <a:latin typeface="Arial" charset="0"/>
+                <a:cs typeface="+mn-cs"/>
+              </a:defRPr>
+            </a:lvl3pPr>
+            <a:lvl4pPr marL="1600200" indent="-228600" defTabSz="914400" latinLnBrk="0">
+              <a:defRPr sz="1400">
+                <a:solidFill>
+                  <a:schemeClr val="tx1"/>
+                </a:solidFill>
+                <a:latin typeface="Arial" charset="0"/>
+                <a:cs typeface="+mn-cs"/>
+              </a:defRPr>
+            </a:lvl4pPr>
+            <a:lvl5pPr marL="2057400" indent="-228600" defTabSz="914400" latinLnBrk="0">
+              <a:defRPr sz="1400">
+                <a:solidFill>
+                  <a:schemeClr val="tx1"/>
+                </a:solidFill>
+                <a:latin typeface="Arial" charset="0"/>
+                <a:cs typeface="+mn-cs"/>
+              </a:defRPr>
+            </a:lvl5pPr>
+            <a:lvl6pPr marL="2514600" indent="-228600" eaLnBrk="0" fontAlgn="base" hangingPunct="0">
+              <a:spcBef>
+                <a:spcPct val="0"/>
+              </a:spcBef>
+              <a:spcAft>
+                <a:spcPct val="0"/>
+              </a:spcAft>
+              <a:defRPr sz="1400">
+                <a:solidFill>
+                  <a:schemeClr val="tx1"/>
+                </a:solidFill>
+                <a:latin typeface="Arial" charset="0"/>
+                <a:cs typeface="+mn-cs"/>
+              </a:defRPr>
+            </a:lvl6pPr>
+            <a:lvl7pPr marL="2971800" indent="-228600" eaLnBrk="0" fontAlgn="base" hangingPunct="0">
+              <a:spcBef>
+                <a:spcPct val="0"/>
+              </a:spcBef>
+              <a:spcAft>
+                <a:spcPct val="0"/>
+              </a:spcAft>
+              <a:defRPr sz="1400">
+                <a:solidFill>
+                  <a:schemeClr val="tx1"/>
+                </a:solidFill>
+                <a:latin typeface="Arial" charset="0"/>
+                <a:cs typeface="+mn-cs"/>
+              </a:defRPr>
+            </a:lvl7pPr>
+            <a:lvl8pPr marL="3429000" indent="-228600" eaLnBrk="0" fontAlgn="base" hangingPunct="0">
+              <a:spcBef>
+                <a:spcPct val="0"/>
+              </a:spcBef>
+              <a:spcAft>
+                <a:spcPct val="0"/>
+              </a:spcAft>
+              <a:defRPr sz="1400">
+                <a:solidFill>
+                  <a:schemeClr val="tx1"/>
+                </a:solidFill>
+                <a:latin typeface="Arial" charset="0"/>
+                <a:cs typeface="+mn-cs"/>
+              </a:defRPr>
+            </a:lvl8pPr>
+            <a:lvl9pPr marL="3886200" indent="-228600" eaLnBrk="0" fontAlgn="base" hangingPunct="0">
+              <a:spcBef>
+                <a:spcPct val="0"/>
+              </a:spcBef>
+              <a:spcAft>
+                <a:spcPct val="0"/>
+              </a:spcAft>
+              <a:defRPr sz="1400">
+                <a:solidFill>
+                  <a:schemeClr val="tx1"/>
+                </a:solidFill>
+                <a:latin typeface="Arial" charset="0"/>
+                <a:cs typeface="+mn-cs"/>
+              </a:defRPr>
+            </a:lvl9pPr>
+          </a:lstStyle>
+          <a:p>
+            <a:r>
+              <a:rPr lang="en-US" b="1" dirty="0"/>
+              <a:t>tokenizer = Tokenizer(</a:t>
+            </a:r>
+            <a:r>
+              <a:rPr lang="en-US" b="1" dirty="0" err="1"/>
+              <a:t>inputCol</a:t>
+            </a:r>
+            <a:r>
+              <a:rPr lang="en-US" b="1" dirty="0"/>
+              <a:t>="text", </a:t>
+            </a:r>
+            <a:r>
+              <a:rPr lang="en-US" b="1" dirty="0" err="1"/>
+              <a:t>outputCol</a:t>
+            </a:r>
+            <a:r>
+              <a:rPr lang="en-US" b="1" dirty="0"/>
+              <a:t>="words")</a:t>
+            </a:r>
+          </a:p>
+          <a:p>
+            <a:r>
+              <a:rPr lang="en-US" b="1" dirty="0" err="1"/>
+              <a:t>hashingTF</a:t>
+            </a:r>
+            <a:r>
+              <a:rPr lang="en-US" b="1" dirty="0"/>
+              <a:t> = </a:t>
+            </a:r>
+            <a:r>
+              <a:rPr lang="en-US" b="1" dirty="0" err="1"/>
+              <a:t>HashingTF</a:t>
+            </a:r>
+            <a:r>
+              <a:rPr lang="en-US" b="1" dirty="0"/>
+              <a:t>(</a:t>
+            </a:r>
+            <a:r>
+              <a:rPr lang="en-US" b="1" dirty="0" err="1"/>
+              <a:t>inputCol</a:t>
+            </a:r>
+            <a:r>
+              <a:rPr lang="en-US" b="1" dirty="0"/>
+              <a:t>=</a:t>
+            </a:r>
+            <a:r>
+              <a:rPr lang="en-US" b="1" dirty="0" err="1"/>
+              <a:t>tokenizer.getOutputCol</a:t>
+            </a:r>
+            <a:r>
+              <a:rPr lang="en-US" b="1" dirty="0"/>
+              <a:t>(), </a:t>
+            </a:r>
+            <a:r>
+              <a:rPr lang="en-US" b="1" dirty="0" err="1"/>
+              <a:t>outputCol</a:t>
+            </a:r>
+            <a:r>
+              <a:rPr lang="en-US" b="1" dirty="0"/>
+              <a:t>="features")</a:t>
+            </a:r>
+          </a:p>
+          <a:p>
+            <a:r>
+              <a:rPr lang="en-US" b="1" dirty="0" err="1"/>
+              <a:t>lr</a:t>
+            </a:r>
+            <a:r>
+              <a:rPr lang="en-US" b="1" dirty="0"/>
+              <a:t> = </a:t>
+            </a:r>
+            <a:r>
+              <a:rPr lang="en-US" b="1" dirty="0" err="1"/>
+              <a:t>LogisticRegression</a:t>
+            </a:r>
+            <a:r>
+              <a:rPr lang="en-US" b="1" dirty="0"/>
+              <a:t>(</a:t>
+            </a:r>
+            <a:r>
+              <a:rPr lang="en-US" b="1" dirty="0" err="1"/>
+              <a:t>maxIter</a:t>
+            </a:r>
+            <a:r>
+              <a:rPr lang="en-US" b="1" dirty="0"/>
+              <a:t>=10, </a:t>
+            </a:r>
+            <a:r>
+              <a:rPr lang="en-US" b="1" dirty="0" err="1"/>
+              <a:t>regParam</a:t>
+            </a:r>
+            <a:r>
+              <a:rPr lang="en-US" b="1" dirty="0"/>
+              <a:t>=0.001)</a:t>
+            </a:r>
+          </a:p>
+          <a:p>
+            <a:r>
+              <a:rPr lang="en-US" b="1" dirty="0"/>
+              <a:t>pipeline = Pipeline(stages=[tokenizer, </a:t>
+            </a:r>
+            <a:r>
+              <a:rPr lang="en-US" b="1" dirty="0" err="1"/>
+              <a:t>hashingTF</a:t>
+            </a:r>
+            <a:r>
+              <a:rPr lang="en-US" b="1" dirty="0"/>
+              <a:t>, </a:t>
+            </a:r>
+            <a:r>
+              <a:rPr lang="en-US" b="1" dirty="0" err="1"/>
+              <a:t>lr</a:t>
+            </a:r>
+            <a:r>
+              <a:rPr lang="en-US" b="1" dirty="0"/>
+              <a:t>])</a:t>
+            </a:r>
+          </a:p>
+          <a:p>
+            <a:endParaRPr lang="en-US" b="1" dirty="0"/>
+          </a:p>
+          <a:p>
+            <a:r>
+              <a:rPr lang="en-US" b="1" dirty="0"/>
+              <a:t># Fit the pipeline to training documents.</a:t>
+            </a:r>
+          </a:p>
+          <a:p>
+            <a:r>
+              <a:rPr lang="en-US" b="1" dirty="0"/>
+              <a:t>model = </a:t>
+            </a:r>
+            <a:r>
+              <a:rPr lang="en-US" b="1" dirty="0" err="1"/>
+              <a:t>pipeline.fit</a:t>
+            </a:r>
+            <a:r>
+              <a:rPr lang="en-US" b="1" dirty="0"/>
+              <a:t>(training)</a:t>
+            </a:r>
+          </a:p>
+          <a:p>
+            <a:endParaRPr lang="en-US" b="1" dirty="0"/>
+          </a:p>
+          <a:p>
+            <a:r>
+              <a:rPr lang="en-US" b="1" dirty="0"/>
+              <a:t># Prepare test documents, which are unlabeled (id, text) tuples.</a:t>
+            </a:r>
+          </a:p>
+          <a:p>
+            <a:endParaRPr lang="en-US" b="1" dirty="0"/>
+          </a:p>
+          <a:p>
+            <a:r>
+              <a:rPr lang="en-US" b="1" dirty="0"/>
+              <a:t># Make predictions on test documents and print columns of interest.</a:t>
+            </a:r>
+          </a:p>
+          <a:p>
+            <a:r>
+              <a:rPr lang="en-US" b="1" dirty="0"/>
+              <a:t>prediction = </a:t>
+            </a:r>
+            <a:r>
+              <a:rPr lang="en-US" b="1" dirty="0" err="1"/>
+              <a:t>model.transform</a:t>
+            </a:r>
+            <a:r>
+              <a:rPr lang="en-US" b="1" dirty="0"/>
+              <a:t>(test)</a:t>
             </a:r>
           </a:p>
         </p:txBody>
@@ -15920,7 +16091,7 @@
         <p:spPr>
           <a:xfrm>
             <a:off x="581025" y="1942657"/>
-            <a:ext cx="7800622" cy="1384995"/>
+            <a:ext cx="7800622" cy="4185761"/>
           </a:xfrm>
           <a:prstGeom prst="rect">
             <a:avLst/>
@@ -16056,21 +16227,29 @@
           <a:p>
             <a:r>
               <a:rPr lang="en-US" b="1" dirty="0"/>
-              <a:t>filename = '</a:t>
+              <a:t>tokenizer = Tokenizer(</a:t>
             </a:r>
             <a:r>
               <a:rPr lang="en-US" b="1" dirty="0" err="1"/>
-              <a:t>bank.csv</a:t>
+              <a:t>inputCol</a:t>
             </a:r>
             <a:r>
               <a:rPr lang="en-US" b="1" dirty="0"/>
-              <a:t>'</a:t>
-            </a:r>
-          </a:p>
-          <a:p>
+              <a:t>="text", </a:t>
+            </a:r>
             <a:r>
               <a:rPr lang="en-US" b="1" dirty="0" err="1"/>
-              <a:t>df</a:t>
+              <a:t>outputCol</a:t>
+            </a:r>
+            <a:r>
+              <a:rPr lang="en-US" b="1" dirty="0"/>
+              <a:t>="words")</a:t>
+            </a:r>
+          </a:p>
+          <a:p>
+            <a:r>
+              <a:rPr lang="en-US" b="1" dirty="0" err="1"/>
+              <a:t>hashingTF</a:t>
             </a:r>
             <a:r>
               <a:rPr lang="en-US" b="1" dirty="0"/>
@@ -16078,37 +16257,215 @@
             </a:r>
             <a:r>
               <a:rPr lang="en-US" b="1" dirty="0" err="1"/>
-              <a:t>spark.read.csv</a:t>
+              <a:t>HashingTF</a:t>
             </a:r>
             <a:r>
               <a:rPr lang="en-US" b="1" dirty="0"/>
-              <a:t>(f'/home/student/ROI/Spark/datasets/finance/{filename}', header = True, </a:t>
+              <a:t>(</a:t>
             </a:r>
             <a:r>
               <a:rPr lang="en-US" b="1" dirty="0" err="1"/>
-              <a:t>inferSchema</a:t>
+              <a:t>inputCol</a:t>
             </a:r>
             <a:r>
               <a:rPr lang="en-US" b="1" dirty="0"/>
-              <a:t> = True)</a:t>
-            </a:r>
-          </a:p>
-          <a:p>
+              <a:t>=</a:t>
+            </a:r>
+            <a:r>
+              <a:rPr lang="en-US" b="1" dirty="0" err="1"/>
+              <a:t>tokenizer.getOutputCol</a:t>
+            </a:r>
             <a:r>
               <a:rPr lang="en-US" b="1" dirty="0"/>
-              <a:t>display(</a:t>
+              <a:t>(), </a:t>
             </a:r>
             <a:r>
               <a:rPr lang="en-US" b="1" dirty="0" err="1"/>
-              <a:t>df</a:t>
+              <a:t>outputCol</a:t>
             </a:r>
             <a:r>
               <a:rPr lang="en-US" b="1" dirty="0"/>
-              <a:t>)</a:t>
+              <a:t>="features")</a:t>
+            </a:r>
+          </a:p>
+          <a:p>
+            <a:r>
+              <a:rPr lang="en-US" b="1" dirty="0" err="1"/>
+              <a:t>lr</a:t>
+            </a:r>
+            <a:r>
+              <a:rPr lang="en-US" b="1" dirty="0"/>
+              <a:t> = </a:t>
+            </a:r>
+            <a:r>
+              <a:rPr lang="en-US" b="1" dirty="0" err="1"/>
+              <a:t>LogisticRegression</a:t>
+            </a:r>
+            <a:r>
+              <a:rPr lang="en-US" b="1" dirty="0"/>
+              <a:t>(</a:t>
+            </a:r>
+            <a:r>
+              <a:rPr lang="en-US" b="1" dirty="0" err="1"/>
+              <a:t>maxIter</a:t>
+            </a:r>
+            <a:r>
+              <a:rPr lang="en-US" b="1" dirty="0"/>
+              <a:t>=10, </a:t>
+            </a:r>
+            <a:r>
+              <a:rPr lang="en-US" b="1" dirty="0" err="1"/>
+              <a:t>regParam</a:t>
+            </a:r>
+            <a:r>
+              <a:rPr lang="en-US" b="1" dirty="0"/>
+              <a:t>=0.001)</a:t>
+            </a:r>
+          </a:p>
+          <a:p>
+            <a:r>
+              <a:rPr lang="en-US" b="1" dirty="0"/>
+              <a:t>pipeline = Pipeline(stages=[tokenizer, </a:t>
+            </a:r>
+            <a:r>
+              <a:rPr lang="en-US" b="1" dirty="0" err="1"/>
+              <a:t>hashingTF</a:t>
+            </a:r>
+            <a:r>
+              <a:rPr lang="en-US" b="1" dirty="0"/>
+              <a:t>, </a:t>
+            </a:r>
+            <a:r>
+              <a:rPr lang="en-US" b="1" dirty="0" err="1"/>
+              <a:t>lr</a:t>
+            </a:r>
+            <a:r>
+              <a:rPr lang="en-US" b="1" dirty="0"/>
+              <a:t>])</a:t>
             </a:r>
           </a:p>
           <a:p>
             <a:endParaRPr lang="en-US" b="1" dirty="0"/>
+          </a:p>
+          <a:p>
+            <a:r>
+              <a:rPr lang="en-US" b="1" dirty="0"/>
+              <a:t># Fit the pipeline to training documents.</a:t>
+            </a:r>
+          </a:p>
+          <a:p>
+            <a:r>
+              <a:rPr lang="en-US" b="1" dirty="0"/>
+              <a:t>model = </a:t>
+            </a:r>
+            <a:r>
+              <a:rPr lang="en-US" b="1" dirty="0" err="1"/>
+              <a:t>pipeline.fit</a:t>
+            </a:r>
+            <a:r>
+              <a:rPr lang="en-US" b="1" dirty="0"/>
+              <a:t>(training)</a:t>
+            </a:r>
+          </a:p>
+          <a:p>
+            <a:endParaRPr lang="en-US" b="1" dirty="0"/>
+          </a:p>
+          <a:p>
+            <a:r>
+              <a:rPr lang="en-US" b="1" dirty="0"/>
+              <a:t># Prepare test documents, which are unlabeled (id, text) tuples.</a:t>
+            </a:r>
+          </a:p>
+          <a:p>
+            <a:r>
+              <a:rPr lang="en-US" b="1" dirty="0"/>
+              <a:t>test = </a:t>
+            </a:r>
+            <a:r>
+              <a:rPr lang="en-US" b="1" dirty="0" err="1"/>
+              <a:t>spark.createDataFrame</a:t>
+            </a:r>
+            <a:r>
+              <a:rPr lang="en-US" b="1" dirty="0"/>
+              <a:t>([</a:t>
+            </a:r>
+          </a:p>
+          <a:p>
+            <a:r>
+              <a:rPr lang="en-US" b="1" dirty="0"/>
+              <a:t>    (4, "spark </a:t>
+            </a:r>
+            <a:r>
+              <a:rPr lang="en-US" b="1" dirty="0" err="1"/>
+              <a:t>i</a:t>
+            </a:r>
+            <a:r>
+              <a:rPr lang="en-US" b="1" dirty="0"/>
+              <a:t> j k"),</a:t>
+            </a:r>
+          </a:p>
+          <a:p>
+            <a:r>
+              <a:rPr lang="en-US" b="1" dirty="0"/>
+              <a:t>    (5, "l m n"),</a:t>
+            </a:r>
+          </a:p>
+          <a:p>
+            <a:r>
+              <a:rPr lang="en-US" b="1" dirty="0"/>
+              <a:t>    (6, "spark </a:t>
+            </a:r>
+            <a:r>
+              <a:rPr lang="en-US" b="1" dirty="0" err="1"/>
+              <a:t>hadoop</a:t>
+            </a:r>
+            <a:r>
+              <a:rPr lang="en-US" b="1" dirty="0"/>
+              <a:t> spark"),</a:t>
+            </a:r>
+          </a:p>
+          <a:p>
+            <a:r>
+              <a:rPr lang="en-US" b="1" dirty="0"/>
+              <a:t>    (7, "apache </a:t>
+            </a:r>
+            <a:r>
+              <a:rPr lang="en-US" b="1" dirty="0" err="1"/>
+              <a:t>hadoop</a:t>
+            </a:r>
+            <a:r>
+              <a:rPr lang="en-US" b="1" dirty="0"/>
+              <a:t>")</a:t>
+            </a:r>
+          </a:p>
+          <a:p>
+            <a:r>
+              <a:rPr lang="en-US" b="1" dirty="0"/>
+              <a:t>], ["id", "text"])</a:t>
+            </a:r>
+          </a:p>
+          <a:p>
+            <a:endParaRPr lang="en-US" b="1" dirty="0"/>
+          </a:p>
+          <a:p>
+            <a:r>
+              <a:rPr lang="en-US" b="1" dirty="0"/>
+              <a:t># Make predictions on test documents and print columns of interest.</a:t>
+            </a:r>
+          </a:p>
+          <a:p>
+            <a:r>
+              <a:rPr lang="en-US" b="1" dirty="0"/>
+              <a:t>prediction = </a:t>
+            </a:r>
+            <a:r>
+              <a:rPr lang="en-US" b="1" dirty="0" err="1"/>
+              <a:t>model.transform</a:t>
+            </a:r>
+            <a:r>
+              <a:rPr lang="en-US" b="1" dirty="0"/>
+              <a:t>(test)</a:t>
+            </a:r>
           </a:p>
         </p:txBody>
       </p:sp>
@@ -18328,18 +18685,18 @@
 </file>
 
 <file path=customXml/item1.xml><?xml version="1.0" encoding="utf-8"?>
+<p:properties xmlns:p="http://schemas.microsoft.com/office/2006/metadata/properties" xmlns:xsi="http://www.w3.org/2001/XMLSchema-instance" xmlns:pc="http://schemas.microsoft.com/office/infopath/2007/PartnerControls">
+  <documentManagement/>
+</p:properties>
+</file>
+
+<file path=customXml/item2.xml><?xml version="1.0" encoding="utf-8"?>
 <?mso-contentType ?>
 <FormTemplates xmlns="http://schemas.microsoft.com/sharepoint/v3/contenttype/forms">
   <Display>DocumentLibraryForm</Display>
   <Edit>DocumentLibraryForm</Edit>
   <New>DocumentLibraryForm</New>
 </FormTemplates>
-</file>
-
-<file path=customXml/item2.xml><?xml version="1.0" encoding="utf-8"?>
-<p:properties xmlns:p="http://schemas.microsoft.com/office/2006/metadata/properties" xmlns:xsi="http://www.w3.org/2001/XMLSchema-instance" xmlns:pc="http://schemas.microsoft.com/office/infopath/2007/PartnerControls">
-  <documentManagement/>
-</p:properties>
 </file>
 
 <file path=customXml/item3.xml><?xml version="1.0" encoding="utf-8"?>
@@ -18495,14 +18852,6 @@
 </file>
 
 <file path=customXml/itemProps1.xml><?xml version="1.0" encoding="utf-8"?>
-<ds:datastoreItem xmlns:ds="http://schemas.openxmlformats.org/officeDocument/2006/customXml" ds:itemID="{2DA015F3-603C-4688-A5F3-81D587DAB8C9}">
-  <ds:schemaRefs>
-    <ds:schemaRef ds:uri="http://schemas.microsoft.com/sharepoint/v3/contenttype/forms"/>
-  </ds:schemaRefs>
-</ds:datastoreItem>
-</file>
-
-<file path=customXml/itemProps2.xml><?xml version="1.0" encoding="utf-8"?>
 <ds:datastoreItem xmlns:ds="http://schemas.openxmlformats.org/officeDocument/2006/customXml" ds:itemID="{F47B9207-CE5C-49AD-B414-15CBFA246D65}">
   <ds:schemaRefs>
     <ds:schemaRef ds:uri="http://purl.org/dc/terms/"/>
@@ -18514,6 +18863,14 @@
     <ds:schemaRef ds:uri="http://schemas.openxmlformats.org/package/2006/metadata/core-properties"/>
     <ds:schemaRef ds:uri="http://www.w3.org/XML/1998/namespace"/>
     <ds:schemaRef ds:uri="http://purl.org/dc/dcmitype/"/>
+  </ds:schemaRefs>
+</ds:datastoreItem>
+</file>
+
+<file path=customXml/itemProps2.xml><?xml version="1.0" encoding="utf-8"?>
+<ds:datastoreItem xmlns:ds="http://schemas.openxmlformats.org/officeDocument/2006/customXml" ds:itemID="{2DA015F3-603C-4688-A5F3-81D587DAB8C9}">
+  <ds:schemaRefs>
+    <ds:schemaRef ds:uri="http://schemas.microsoft.com/sharepoint/v3/contenttype/forms"/>
   </ds:schemaRefs>
 </ds:datastoreItem>
 </file>
